--- a/Sudhan - 26th Team.pptx
+++ b/Sudhan - 26th Team.pptx
@@ -128,7 +128,7 @@
   </p:defaultTextStyle>
   <p:extLst>
     <p:ext uri="{EFAFB233-063F-42B5-8137-9DF3F51BA10A}">
-      <p15:sldGuideLst xmlns:p15="http://schemas.microsoft.com/office/powerpoint/2012/main">
+      <p15:sldGuideLst xmlns:p15="http://schemas.microsoft.com/office/powerpoint/2012/main" xmlns="">
         <p15:guide id="1" orient="horz" pos="2160" userDrawn="1">
           <p15:clr>
             <a:srgbClr val="A4A3A4"/>
@@ -227,7 +227,7 @@
           <a:p>
             <a:fld id="{0D7840A3-D0CF-4D81-BB1D-E861C479D828}" type="datetimeFigureOut">
               <a:rPr lang="en-IN" smtClean="0"/>
-              <a:t>09-03-2022</a:t>
+              <a:t>04-05-2022</a:t>
             </a:fld>
             <a:endParaRPr lang="en-IN"/>
           </a:p>
@@ -682,7 +682,7 @@
             <a:fld id="{A64837C4-76A0-4598-9E29-4083CFB808F6}" type="datetimeFigureOut">
               <a:rPr lang="en-IN" smtClean="0"/>
               <a:pPr/>
-              <a:t>09-03-2022</a:t>
+              <a:t>04-05-2022</a:t>
             </a:fld>
             <a:endParaRPr lang="en-IN"/>
           </a:p>
@@ -959,7 +959,7 @@
             <a:fld id="{A64837C4-76A0-4598-9E29-4083CFB808F6}" type="datetimeFigureOut">
               <a:rPr lang="en-IN" smtClean="0"/>
               <a:pPr/>
-              <a:t>09-03-2022</a:t>
+              <a:t>04-05-2022</a:t>
             </a:fld>
             <a:endParaRPr lang="en-IN"/>
           </a:p>
@@ -1155,7 +1155,7 @@
             <a:fld id="{A64837C4-76A0-4598-9E29-4083CFB808F6}" type="datetimeFigureOut">
               <a:rPr lang="en-IN" smtClean="0"/>
               <a:pPr/>
-              <a:t>09-03-2022</a:t>
+              <a:t>04-05-2022</a:t>
             </a:fld>
             <a:endParaRPr lang="en-IN"/>
           </a:p>
@@ -1430,7 +1430,7 @@
             <a:fld id="{A64837C4-76A0-4598-9E29-4083CFB808F6}" type="datetimeFigureOut">
               <a:rPr lang="en-IN" smtClean="0"/>
               <a:pPr/>
-              <a:t>09-03-2022</a:t>
+              <a:t>04-05-2022</a:t>
             </a:fld>
             <a:endParaRPr lang="en-IN"/>
           </a:p>
@@ -1773,7 +1773,7 @@
             <a:fld id="{A64837C4-76A0-4598-9E29-4083CFB808F6}" type="datetimeFigureOut">
               <a:rPr lang="en-IN" smtClean="0"/>
               <a:pPr/>
-              <a:t>09-03-2022</a:t>
+              <a:t>04-05-2022</a:t>
             </a:fld>
             <a:endParaRPr lang="en-IN"/>
           </a:p>
@@ -2398,7 +2398,7 @@
             <a:fld id="{A64837C4-76A0-4598-9E29-4083CFB808F6}" type="datetimeFigureOut">
               <a:rPr lang="en-IN" smtClean="0"/>
               <a:pPr/>
-              <a:t>09-03-2022</a:t>
+              <a:t>04-05-2022</a:t>
             </a:fld>
             <a:endParaRPr lang="en-IN"/>
           </a:p>
@@ -3260,7 +3260,7 @@
             <a:fld id="{A64837C4-76A0-4598-9E29-4083CFB808F6}" type="datetimeFigureOut">
               <a:rPr lang="en-IN" smtClean="0"/>
               <a:pPr/>
-              <a:t>09-03-2022</a:t>
+              <a:t>04-05-2022</a:t>
             </a:fld>
             <a:endParaRPr lang="en-IN"/>
           </a:p>
@@ -3432,7 +3432,7 @@
             <a:fld id="{A64837C4-76A0-4598-9E29-4083CFB808F6}" type="datetimeFigureOut">
               <a:rPr lang="en-IN" smtClean="0"/>
               <a:pPr/>
-              <a:t>09-03-2022</a:t>
+              <a:t>04-05-2022</a:t>
             </a:fld>
             <a:endParaRPr lang="en-IN"/>
           </a:p>
@@ -3614,7 +3614,7 @@
             <a:fld id="{A64837C4-76A0-4598-9E29-4083CFB808F6}" type="datetimeFigureOut">
               <a:rPr lang="en-IN" smtClean="0"/>
               <a:pPr/>
-              <a:t>09-03-2022</a:t>
+              <a:t>04-05-2022</a:t>
             </a:fld>
             <a:endParaRPr lang="en-IN"/>
           </a:p>
@@ -3786,7 +3786,7 @@
             <a:fld id="{A64837C4-76A0-4598-9E29-4083CFB808F6}" type="datetimeFigureOut">
               <a:rPr lang="en-IN" smtClean="0"/>
               <a:pPr/>
-              <a:t>09-03-2022</a:t>
+              <a:t>04-05-2022</a:t>
             </a:fld>
             <a:endParaRPr lang="en-IN"/>
           </a:p>
@@ -4035,7 +4035,7 @@
             <a:fld id="{A64837C4-76A0-4598-9E29-4083CFB808F6}" type="datetimeFigureOut">
               <a:rPr lang="en-IN" smtClean="0"/>
               <a:pPr/>
-              <a:t>09-03-2022</a:t>
+              <a:t>04-05-2022</a:t>
             </a:fld>
             <a:endParaRPr lang="en-IN"/>
           </a:p>
@@ -4329,7 +4329,7 @@
             <a:fld id="{A64837C4-76A0-4598-9E29-4083CFB808F6}" type="datetimeFigureOut">
               <a:rPr lang="en-IN" smtClean="0"/>
               <a:pPr/>
-              <a:t>09-03-2022</a:t>
+              <a:t>04-05-2022</a:t>
             </a:fld>
             <a:endParaRPr lang="en-IN"/>
           </a:p>
@@ -4775,7 +4775,7 @@
             <a:fld id="{A64837C4-76A0-4598-9E29-4083CFB808F6}" type="datetimeFigureOut">
               <a:rPr lang="en-IN" smtClean="0"/>
               <a:pPr/>
-              <a:t>09-03-2022</a:t>
+              <a:t>04-05-2022</a:t>
             </a:fld>
             <a:endParaRPr lang="en-IN"/>
           </a:p>
@@ -4895,7 +4895,7 @@
             <a:fld id="{A64837C4-76A0-4598-9E29-4083CFB808F6}" type="datetimeFigureOut">
               <a:rPr lang="en-IN" smtClean="0"/>
               <a:pPr/>
-              <a:t>09-03-2022</a:t>
+              <a:t>04-05-2022</a:t>
             </a:fld>
             <a:endParaRPr lang="en-IN"/>
           </a:p>
@@ -4992,7 +4992,7 @@
             <a:fld id="{A64837C4-76A0-4598-9E29-4083CFB808F6}" type="datetimeFigureOut">
               <a:rPr lang="en-IN" smtClean="0"/>
               <a:pPr/>
-              <a:t>09-03-2022</a:t>
+              <a:t>04-05-2022</a:t>
             </a:fld>
             <a:endParaRPr lang="en-IN"/>
           </a:p>
@@ -5273,7 +5273,7 @@
             <a:fld id="{A64837C4-76A0-4598-9E29-4083CFB808F6}" type="datetimeFigureOut">
               <a:rPr lang="en-IN" smtClean="0"/>
               <a:pPr/>
-              <a:t>09-03-2022</a:t>
+              <a:t>04-05-2022</a:t>
             </a:fld>
             <a:endParaRPr lang="en-IN"/>
           </a:p>
@@ -5550,7 +5550,7 @@
             <a:fld id="{A64837C4-76A0-4598-9E29-4083CFB808F6}" type="datetimeFigureOut">
               <a:rPr lang="en-IN" smtClean="0"/>
               <a:pPr/>
-              <a:t>09-03-2022</a:t>
+              <a:t>04-05-2022</a:t>
             </a:fld>
             <a:endParaRPr lang="en-IN"/>
           </a:p>
@@ -6001,7 +6001,7 @@
             <a:fld id="{A64837C4-76A0-4598-9E29-4083CFB808F6}" type="datetimeFigureOut">
               <a:rPr lang="en-IN" smtClean="0"/>
               <a:pPr/>
-              <a:t>09-03-2022</a:t>
+              <a:t>04-05-2022</a:t>
             </a:fld>
             <a:endParaRPr lang="en-IN"/>
           </a:p>
@@ -6635,96 +6635,126 @@
                 <a:solidFill>
                   <a:schemeClr val="bg1"/>
                 </a:solidFill>
-                <a:latin typeface="Algerian" pitchFamily="82" charset="0"/>
+                <a:latin typeface="Times New Roman" pitchFamily="18" charset="0"/>
                 <a:ea typeface="Adobe Heiti Std R" pitchFamily="34" charset="-128"/>
+                <a:cs typeface="Times New Roman" pitchFamily="18" charset="0"/>
               </a:rPr>
               <a:t> </a:t>
             </a:r>
             <a:r>
-              <a:rPr lang="en-IN" b="1" dirty="0" err="1">
+              <a:rPr lang="en-IN" b="1" dirty="0" smtClean="0">
+                <a:solidFill>
+                  <a:schemeClr val="bg1"/>
+                </a:solidFill>
+                <a:latin typeface="Times New Roman" pitchFamily="18" charset="0"/>
+                <a:ea typeface="Adobe Heiti Std R" pitchFamily="34" charset="-128"/>
+                <a:cs typeface="Times New Roman" pitchFamily="18" charset="0"/>
+              </a:rPr>
+              <a:t>SUDHAN</a:t>
+            </a:r>
+            <a:r>
+              <a:rPr lang="en-IN" b="1" dirty="0" smtClean="0">
+                <a:solidFill>
+                  <a:schemeClr val="bg1"/>
+                </a:solidFill>
+                <a:latin typeface="Times New Roman" pitchFamily="18" charset="0"/>
+                <a:ea typeface="Dotum" pitchFamily="34" charset="-127"/>
+                <a:cs typeface="Times New Roman" pitchFamily="18" charset="0"/>
+              </a:rPr>
+              <a:t> </a:t>
+            </a:r>
+            <a:r>
+              <a:rPr lang="en-IN" b="1" dirty="0">
+                <a:solidFill>
+                  <a:schemeClr val="bg1"/>
+                </a:solidFill>
+                <a:latin typeface="Times New Roman" pitchFamily="18" charset="0"/>
+                <a:ea typeface="Dotum" pitchFamily="34" charset="-127"/>
+                <a:cs typeface="Times New Roman" pitchFamily="18" charset="0"/>
+              </a:rPr>
+              <a:t>A – (19351029)</a:t>
+            </a:r>
+          </a:p>
+          <a:p>
+            <a:pPr algn="l"/>
+            <a:r>
+              <a:rPr lang="en-IN" b="1" dirty="0">
+                <a:solidFill>
+                  <a:schemeClr val="bg1"/>
+                </a:solidFill>
+                <a:latin typeface="Times New Roman" pitchFamily="18" charset="0"/>
+                <a:ea typeface="Dotum" pitchFamily="34" charset="-127"/>
+                <a:cs typeface="Times New Roman" pitchFamily="18" charset="0"/>
+              </a:rPr>
+              <a:t> </a:t>
+            </a:r>
+            <a:r>
+              <a:rPr lang="en-IN" b="1" dirty="0" smtClean="0">
+                <a:solidFill>
+                  <a:schemeClr val="bg1"/>
+                </a:solidFill>
+                <a:latin typeface="Times New Roman" pitchFamily="18" charset="0"/>
+                <a:ea typeface="Dotum" pitchFamily="34" charset="-127"/>
+                <a:cs typeface="Times New Roman" pitchFamily="18" charset="0"/>
+              </a:rPr>
+              <a:t>VARUN </a:t>
+            </a:r>
+            <a:r>
+              <a:rPr lang="en-IN" b="1" dirty="0">
+                <a:solidFill>
+                  <a:schemeClr val="bg1"/>
+                </a:solidFill>
+                <a:latin typeface="Times New Roman" pitchFamily="18" charset="0"/>
+                <a:ea typeface="Dotum" pitchFamily="34" charset="-127"/>
+                <a:cs typeface="Times New Roman" pitchFamily="18" charset="0"/>
+              </a:rPr>
+              <a:t>M – (19351007)</a:t>
+            </a:r>
+          </a:p>
+          <a:p>
+            <a:pPr algn="l"/>
+            <a:r>
+              <a:rPr lang="en-IN" b="1" dirty="0">
+                <a:solidFill>
+                  <a:schemeClr val="bg1"/>
+                </a:solidFill>
+                <a:latin typeface="Times New Roman" pitchFamily="18" charset="0"/>
+                <a:ea typeface="Dotum" pitchFamily="34" charset="-127"/>
+                <a:cs typeface="Times New Roman" pitchFamily="18" charset="0"/>
+              </a:rPr>
+              <a:t> </a:t>
+            </a:r>
+            <a:r>
+              <a:rPr lang="en-IN" b="1" dirty="0" smtClean="0">
+                <a:solidFill>
+                  <a:schemeClr val="bg1"/>
+                </a:solidFill>
+                <a:latin typeface="Times New Roman" pitchFamily="18" charset="0"/>
+                <a:ea typeface="Dotum" pitchFamily="34" charset="-127"/>
+                <a:cs typeface="Times New Roman" pitchFamily="18" charset="0"/>
+              </a:rPr>
+              <a:t>SAHAYA JAMSON  </a:t>
+            </a:r>
+            <a:r>
+              <a:rPr lang="en-IN" b="1" dirty="0">
+                <a:solidFill>
+                  <a:schemeClr val="bg1"/>
+                </a:solidFill>
+                <a:latin typeface="Times New Roman" pitchFamily="18" charset="0"/>
+                <a:ea typeface="Dotum" pitchFamily="34" charset="-127"/>
+                <a:cs typeface="Times New Roman" pitchFamily="18" charset="0"/>
+              </a:rPr>
+              <a:t>S – (19351033)</a:t>
+            </a:r>
+            <a:r>
+              <a:rPr lang="en-IN" b="1" dirty="0">
                 <a:solidFill>
                   <a:schemeClr val="bg1"/>
                 </a:solidFill>
                 <a:latin typeface="Dotum" pitchFamily="34" charset="-127"/>
                 <a:ea typeface="Dotum" pitchFamily="34" charset="-127"/>
               </a:rPr>
-              <a:t>Sudhan</a:t>
-            </a:r>
-            <a:r>
-              <a:rPr lang="en-IN" b="1" dirty="0">
-                <a:solidFill>
-                  <a:schemeClr val="bg1"/>
-                </a:solidFill>
-                <a:latin typeface="Dotum" pitchFamily="34" charset="-127"/>
-                <a:ea typeface="Dotum" pitchFamily="34" charset="-127"/>
-              </a:rPr>
-              <a:t> A – (19351029)</a:t>
-            </a:r>
-          </a:p>
-          <a:p>
-            <a:pPr algn="l"/>
-            <a:r>
-              <a:rPr lang="en-IN" b="1" dirty="0">
-                <a:solidFill>
-                  <a:schemeClr val="bg1"/>
-                </a:solidFill>
-                <a:latin typeface="Dotum" pitchFamily="34" charset="-127"/>
-                <a:ea typeface="Dotum" pitchFamily="34" charset="-127"/>
-              </a:rPr>
-              <a:t> Varun M – (19351007)</a:t>
-            </a:r>
-          </a:p>
-          <a:p>
-            <a:pPr algn="l"/>
-            <a:r>
-              <a:rPr lang="en-IN" b="1" dirty="0">
-                <a:solidFill>
-                  <a:schemeClr val="bg1"/>
-                </a:solidFill>
-                <a:latin typeface="Dotum" pitchFamily="34" charset="-127"/>
-                <a:ea typeface="Dotum" pitchFamily="34" charset="-127"/>
-              </a:rPr>
-              <a:t> </a:t>
-            </a:r>
-            <a:r>
-              <a:rPr lang="en-IN" b="1" dirty="0" err="1">
-                <a:solidFill>
-                  <a:schemeClr val="bg1"/>
-                </a:solidFill>
-                <a:latin typeface="Dotum" pitchFamily="34" charset="-127"/>
-                <a:ea typeface="Dotum" pitchFamily="34" charset="-127"/>
-              </a:rPr>
-              <a:t>Sahaya</a:t>
-            </a:r>
-            <a:r>
-              <a:rPr lang="en-IN" b="1" dirty="0">
-                <a:solidFill>
-                  <a:schemeClr val="bg1"/>
-                </a:solidFill>
-                <a:latin typeface="Dotum" pitchFamily="34" charset="-127"/>
-                <a:ea typeface="Dotum" pitchFamily="34" charset="-127"/>
-              </a:rPr>
-              <a:t> </a:t>
-            </a:r>
-            <a:r>
-              <a:rPr lang="en-IN" b="1" dirty="0" err="1">
-                <a:solidFill>
-                  <a:schemeClr val="bg1"/>
-                </a:solidFill>
-                <a:latin typeface="Dotum" pitchFamily="34" charset="-127"/>
-                <a:ea typeface="Dotum" pitchFamily="34" charset="-127"/>
-              </a:rPr>
-              <a:t>Jamson</a:t>
-            </a:r>
-            <a:r>
-              <a:rPr lang="en-IN" b="1" dirty="0">
-                <a:solidFill>
-                  <a:schemeClr val="bg1"/>
-                </a:solidFill>
-                <a:latin typeface="Dotum" pitchFamily="34" charset="-127"/>
-                <a:ea typeface="Dotum" pitchFamily="34" charset="-127"/>
-              </a:rPr>
-              <a:t> S – (19351033)	 	 			</a:t>
+              <a:t>	 	 			</a:t>
             </a:r>
             <a:endParaRPr lang="en-IN" sz="2400" b="1" dirty="0">
               <a:solidFill>
@@ -7890,7 +7920,7 @@
           <p:cNvPr id="20" name="Straight Arrow Connector 19">
             <a:extLst>
               <a:ext uri="{FF2B5EF4-FFF2-40B4-BE49-F238E27FC236}">
-                <a16:creationId xmlns:a16="http://schemas.microsoft.com/office/drawing/2014/main" id="{398069B7-7896-411C-AD58-95AB11255921}"/>
+                <a16:creationId xmlns:a16="http://schemas.microsoft.com/office/drawing/2014/main" xmlns="" id="{398069B7-7896-411C-AD58-95AB11255921}"/>
               </a:ext>
             </a:extLst>
           </p:cNvPr>
@@ -7933,7 +7963,7 @@
           <p:cNvPr id="28" name="Straight Arrow Connector 27">
             <a:extLst>
               <a:ext uri="{FF2B5EF4-FFF2-40B4-BE49-F238E27FC236}">
-                <a16:creationId xmlns:a16="http://schemas.microsoft.com/office/drawing/2014/main" id="{A39EDF75-D3F1-41CE-B489-123C79F8C67A}"/>
+                <a16:creationId xmlns:a16="http://schemas.microsoft.com/office/drawing/2014/main" xmlns="" id="{A39EDF75-D3F1-41CE-B489-123C79F8C67A}"/>
               </a:ext>
             </a:extLst>
           </p:cNvPr>
@@ -7974,7 +8004,7 @@
           <p:cNvPr id="33" name="Straight Arrow Connector 32">
             <a:extLst>
               <a:ext uri="{FF2B5EF4-FFF2-40B4-BE49-F238E27FC236}">
-                <a16:creationId xmlns:a16="http://schemas.microsoft.com/office/drawing/2014/main" id="{61F40A77-2C54-4EAC-AD9E-A986D2E9F6E6}"/>
+                <a16:creationId xmlns:a16="http://schemas.microsoft.com/office/drawing/2014/main" xmlns="" id="{61F40A77-2C54-4EAC-AD9E-A986D2E9F6E6}"/>
               </a:ext>
             </a:extLst>
           </p:cNvPr>
@@ -8015,7 +8045,7 @@
           <p:cNvPr id="45" name="Straight Arrow Connector 44">
             <a:extLst>
               <a:ext uri="{FF2B5EF4-FFF2-40B4-BE49-F238E27FC236}">
-                <a16:creationId xmlns:a16="http://schemas.microsoft.com/office/drawing/2014/main" id="{321AC040-62CF-4E15-A2CE-6A746AC70E04}"/>
+                <a16:creationId xmlns:a16="http://schemas.microsoft.com/office/drawing/2014/main" xmlns="" id="{321AC040-62CF-4E15-A2CE-6A746AC70E04}"/>
               </a:ext>
             </a:extLst>
           </p:cNvPr>
@@ -8056,7 +8086,7 @@
           <p:cNvPr id="50" name="Straight Arrow Connector 49">
             <a:extLst>
               <a:ext uri="{FF2B5EF4-FFF2-40B4-BE49-F238E27FC236}">
-                <a16:creationId xmlns:a16="http://schemas.microsoft.com/office/drawing/2014/main" id="{89FDF59E-E691-404A-AB75-1B2F82495AF4}"/>
+                <a16:creationId xmlns:a16="http://schemas.microsoft.com/office/drawing/2014/main" xmlns="" id="{89FDF59E-E691-404A-AB75-1B2F82495AF4}"/>
               </a:ext>
             </a:extLst>
           </p:cNvPr>
@@ -8099,7 +8129,7 @@
           <p:cNvPr id="57" name="Straight Connector 56">
             <a:extLst>
               <a:ext uri="{FF2B5EF4-FFF2-40B4-BE49-F238E27FC236}">
-                <a16:creationId xmlns:a16="http://schemas.microsoft.com/office/drawing/2014/main" id="{FCB110A7-B045-46EB-BDA8-192801D00145}"/>
+                <a16:creationId xmlns:a16="http://schemas.microsoft.com/office/drawing/2014/main" xmlns="" id="{FCB110A7-B045-46EB-BDA8-192801D00145}"/>
               </a:ext>
             </a:extLst>
           </p:cNvPr>
@@ -8137,7 +8167,7 @@
           <p:cNvPr id="63" name="Straight Arrow Connector 62">
             <a:extLst>
               <a:ext uri="{FF2B5EF4-FFF2-40B4-BE49-F238E27FC236}">
-                <a16:creationId xmlns:a16="http://schemas.microsoft.com/office/drawing/2014/main" id="{1E595152-F39D-46BA-9176-6E877B031DDF}"/>
+                <a16:creationId xmlns:a16="http://schemas.microsoft.com/office/drawing/2014/main" xmlns="" id="{1E595152-F39D-46BA-9176-6E877B031DDF}"/>
               </a:ext>
             </a:extLst>
           </p:cNvPr>
@@ -8179,7 +8209,7 @@
           <p:cNvPr id="68" name="Straight Arrow Connector 67">
             <a:extLst>
               <a:ext uri="{FF2B5EF4-FFF2-40B4-BE49-F238E27FC236}">
-                <a16:creationId xmlns:a16="http://schemas.microsoft.com/office/drawing/2014/main" id="{2B7D4EE0-7C40-4D84-8FA2-978970F4DDBD}"/>
+                <a16:creationId xmlns:a16="http://schemas.microsoft.com/office/drawing/2014/main" xmlns="" id="{2B7D4EE0-7C40-4D84-8FA2-978970F4DDBD}"/>
               </a:ext>
             </a:extLst>
           </p:cNvPr>
@@ -8222,7 +8252,7 @@
           <p:cNvPr id="73" name="Straight Arrow Connector 72">
             <a:extLst>
               <a:ext uri="{FF2B5EF4-FFF2-40B4-BE49-F238E27FC236}">
-                <a16:creationId xmlns:a16="http://schemas.microsoft.com/office/drawing/2014/main" id="{499A51F0-1DEE-46DD-98B8-33B59FA6243E}"/>
+                <a16:creationId xmlns:a16="http://schemas.microsoft.com/office/drawing/2014/main" xmlns="" id="{499A51F0-1DEE-46DD-98B8-33B59FA6243E}"/>
               </a:ext>
             </a:extLst>
           </p:cNvPr>
@@ -8265,7 +8295,7 @@
           <p:cNvPr id="79" name="Straight Arrow Connector 78">
             <a:extLst>
               <a:ext uri="{FF2B5EF4-FFF2-40B4-BE49-F238E27FC236}">
-                <a16:creationId xmlns:a16="http://schemas.microsoft.com/office/drawing/2014/main" id="{5C50C898-A571-40FC-98A0-51A802296589}"/>
+                <a16:creationId xmlns:a16="http://schemas.microsoft.com/office/drawing/2014/main" xmlns="" id="{5C50C898-A571-40FC-98A0-51A802296589}"/>
               </a:ext>
             </a:extLst>
           </p:cNvPr>
@@ -8308,7 +8338,7 @@
           <p:cNvPr id="85" name="Straight Arrow Connector 84">
             <a:extLst>
               <a:ext uri="{FF2B5EF4-FFF2-40B4-BE49-F238E27FC236}">
-                <a16:creationId xmlns:a16="http://schemas.microsoft.com/office/drawing/2014/main" id="{61CB033D-2551-4151-B3A0-AE9099156F38}"/>
+                <a16:creationId xmlns:a16="http://schemas.microsoft.com/office/drawing/2014/main" xmlns="" id="{61CB033D-2551-4151-B3A0-AE9099156F38}"/>
               </a:ext>
             </a:extLst>
           </p:cNvPr>
@@ -8351,7 +8381,7 @@
           <p:cNvPr id="89" name="Straight Connector 88">
             <a:extLst>
               <a:ext uri="{FF2B5EF4-FFF2-40B4-BE49-F238E27FC236}">
-                <a16:creationId xmlns:a16="http://schemas.microsoft.com/office/drawing/2014/main" id="{E6C7B69E-0720-496B-BAB9-56C291357713}"/>
+                <a16:creationId xmlns:a16="http://schemas.microsoft.com/office/drawing/2014/main" xmlns="" id="{E6C7B69E-0720-496B-BAB9-56C291357713}"/>
               </a:ext>
             </a:extLst>
           </p:cNvPr>
@@ -8390,7 +8420,7 @@
           <p:cNvPr id="94" name="Straight Arrow Connector 93">
             <a:extLst>
               <a:ext uri="{FF2B5EF4-FFF2-40B4-BE49-F238E27FC236}">
-                <a16:creationId xmlns:a16="http://schemas.microsoft.com/office/drawing/2014/main" id="{0AB61ED2-C34F-41DA-987E-8A4D5FA69ACB}"/>
+                <a16:creationId xmlns:a16="http://schemas.microsoft.com/office/drawing/2014/main" xmlns="" id="{0AB61ED2-C34F-41DA-987E-8A4D5FA69ACB}"/>
               </a:ext>
             </a:extLst>
           </p:cNvPr>
@@ -8612,7 +8642,7 @@
           <p:cNvPr id="2" name="TextBox 1">
             <a:extLst>
               <a:ext uri="{FF2B5EF4-FFF2-40B4-BE49-F238E27FC236}">
-                <a16:creationId xmlns:a16="http://schemas.microsoft.com/office/drawing/2014/main" id="{19530A52-3C4E-418D-9E95-A2B3D6759ED8}"/>
+                <a16:creationId xmlns:a16="http://schemas.microsoft.com/office/drawing/2014/main" xmlns="" id="{19530A52-3C4E-418D-9E95-A2B3D6759ED8}"/>
               </a:ext>
             </a:extLst>
           </p:cNvPr>
@@ -8657,7 +8687,7 @@
           <p:cNvPr id="4" name="Picture 3">
             <a:extLst>
               <a:ext uri="{FF2B5EF4-FFF2-40B4-BE49-F238E27FC236}">
-                <a16:creationId xmlns:a16="http://schemas.microsoft.com/office/drawing/2014/main" id="{C70B8EC3-5F28-42F7-8188-CCEC55528A35}"/>
+                <a16:creationId xmlns:a16="http://schemas.microsoft.com/office/drawing/2014/main" xmlns="" id="{C70B8EC3-5F28-42F7-8188-CCEC55528A35}"/>
               </a:ext>
             </a:extLst>
           </p:cNvPr>
@@ -8693,7 +8723,7 @@
           <p:cNvPr id="8" name="TextBox 7">
             <a:extLst>
               <a:ext uri="{FF2B5EF4-FFF2-40B4-BE49-F238E27FC236}">
-                <a16:creationId xmlns:a16="http://schemas.microsoft.com/office/drawing/2014/main" id="{EE1F9E34-0B0B-43FE-8AEC-24BC2B287F1E}"/>
+                <a16:creationId xmlns:a16="http://schemas.microsoft.com/office/drawing/2014/main" xmlns="" id="{EE1F9E34-0B0B-43FE-8AEC-24BC2B287F1E}"/>
               </a:ext>
             </a:extLst>
           </p:cNvPr>
@@ -8738,7 +8768,7 @@
           <p:cNvPr id="11" name="Picture 10">
             <a:extLst>
               <a:ext uri="{FF2B5EF4-FFF2-40B4-BE49-F238E27FC236}">
-                <a16:creationId xmlns:a16="http://schemas.microsoft.com/office/drawing/2014/main" id="{C16CC8C1-5A4D-4E3D-BACB-A170BB37677D}"/>
+                <a16:creationId xmlns:a16="http://schemas.microsoft.com/office/drawing/2014/main" xmlns="" id="{C16CC8C1-5A4D-4E3D-BACB-A170BB37677D}"/>
               </a:ext>
             </a:extLst>
           </p:cNvPr>
@@ -8804,7 +8834,7 @@
           <p:cNvPr id="2" name="TextBox 1">
             <a:extLst>
               <a:ext uri="{FF2B5EF4-FFF2-40B4-BE49-F238E27FC236}">
-                <a16:creationId xmlns:a16="http://schemas.microsoft.com/office/drawing/2014/main" id="{815B12D5-84DB-461D-B85E-38199811DB98}"/>
+                <a16:creationId xmlns:a16="http://schemas.microsoft.com/office/drawing/2014/main" xmlns="" id="{815B12D5-84DB-461D-B85E-38199811DB98}"/>
               </a:ext>
             </a:extLst>
           </p:cNvPr>
@@ -8849,7 +8879,7 @@
           <p:cNvPr id="3" name="Picture 2">
             <a:extLst>
               <a:ext uri="{FF2B5EF4-FFF2-40B4-BE49-F238E27FC236}">
-                <a16:creationId xmlns:a16="http://schemas.microsoft.com/office/drawing/2014/main" id="{889E1C4D-5A65-4868-AE96-B6B14D5114F9}"/>
+                <a16:creationId xmlns:a16="http://schemas.microsoft.com/office/drawing/2014/main" xmlns="" id="{889E1C4D-5A65-4868-AE96-B6B14D5114F9}"/>
               </a:ext>
             </a:extLst>
           </p:cNvPr>
@@ -8885,7 +8915,7 @@
           <p:cNvPr id="4" name="TextBox 3">
             <a:extLst>
               <a:ext uri="{FF2B5EF4-FFF2-40B4-BE49-F238E27FC236}">
-                <a16:creationId xmlns:a16="http://schemas.microsoft.com/office/drawing/2014/main" id="{2C7D385D-DC12-46BD-989B-DD75D61DDD6D}"/>
+                <a16:creationId xmlns:a16="http://schemas.microsoft.com/office/drawing/2014/main" xmlns="" id="{2C7D385D-DC12-46BD-989B-DD75D61DDD6D}"/>
               </a:ext>
             </a:extLst>
           </p:cNvPr>
@@ -8930,7 +8960,7 @@
           <p:cNvPr id="7" name="Picture 6">
             <a:extLst>
               <a:ext uri="{FF2B5EF4-FFF2-40B4-BE49-F238E27FC236}">
-                <a16:creationId xmlns:a16="http://schemas.microsoft.com/office/drawing/2014/main" id="{D1D05B3A-2E70-454E-838B-D78E0232D60A}"/>
+                <a16:creationId xmlns:a16="http://schemas.microsoft.com/office/drawing/2014/main" xmlns="" id="{D1D05B3A-2E70-454E-838B-D78E0232D60A}"/>
               </a:ext>
             </a:extLst>
           </p:cNvPr>
@@ -8966,7 +8996,7 @@
           <p:cNvPr id="8" name="TextBox 7">
             <a:extLst>
               <a:ext uri="{FF2B5EF4-FFF2-40B4-BE49-F238E27FC236}">
-                <a16:creationId xmlns:a16="http://schemas.microsoft.com/office/drawing/2014/main" id="{3166976D-4E1A-4760-B4CE-DBDA48B5A08E}"/>
+                <a16:creationId xmlns:a16="http://schemas.microsoft.com/office/drawing/2014/main" xmlns="" id="{3166976D-4E1A-4760-B4CE-DBDA48B5A08E}"/>
               </a:ext>
             </a:extLst>
           </p:cNvPr>
@@ -9011,7 +9041,7 @@
           <p:cNvPr id="11" name="Picture 10">
             <a:extLst>
               <a:ext uri="{FF2B5EF4-FFF2-40B4-BE49-F238E27FC236}">
-                <a16:creationId xmlns:a16="http://schemas.microsoft.com/office/drawing/2014/main" id="{B68FC5CC-7C47-43BC-BE03-63FFF05D10C8}"/>
+                <a16:creationId xmlns:a16="http://schemas.microsoft.com/office/drawing/2014/main" xmlns="" id="{B68FC5CC-7C47-43BC-BE03-63FFF05D10C8}"/>
               </a:ext>
             </a:extLst>
           </p:cNvPr>
@@ -9047,7 +9077,7 @@
           <p:cNvPr id="13" name="Straight Arrow Connector 12">
             <a:extLst>
               <a:ext uri="{FF2B5EF4-FFF2-40B4-BE49-F238E27FC236}">
-                <a16:creationId xmlns:a16="http://schemas.microsoft.com/office/drawing/2014/main" id="{6A5CE500-68A8-4FDB-B5D0-5108A8D70A20}"/>
+                <a16:creationId xmlns:a16="http://schemas.microsoft.com/office/drawing/2014/main" xmlns="" id="{6A5CE500-68A8-4FDB-B5D0-5108A8D70A20}"/>
               </a:ext>
             </a:extLst>
           </p:cNvPr>
@@ -9086,7 +9116,7 @@
           <p:cNvPr id="15" name="Straight Arrow Connector 14">
             <a:extLst>
               <a:ext uri="{FF2B5EF4-FFF2-40B4-BE49-F238E27FC236}">
-                <a16:creationId xmlns:a16="http://schemas.microsoft.com/office/drawing/2014/main" id="{3582168E-4062-43D8-9F44-F44F39BBCB6D}"/>
+                <a16:creationId xmlns:a16="http://schemas.microsoft.com/office/drawing/2014/main" xmlns="" id="{3582168E-4062-43D8-9F44-F44F39BBCB6D}"/>
               </a:ext>
             </a:extLst>
           </p:cNvPr>
@@ -9125,7 +9155,7 @@
           <p:cNvPr id="16" name="TextBox 15">
             <a:extLst>
               <a:ext uri="{FF2B5EF4-FFF2-40B4-BE49-F238E27FC236}">
-                <a16:creationId xmlns:a16="http://schemas.microsoft.com/office/drawing/2014/main" id="{B96DDB51-AFCE-441B-BE84-BE58FD2DA5B6}"/>
+                <a16:creationId xmlns:a16="http://schemas.microsoft.com/office/drawing/2014/main" xmlns="" id="{B96DDB51-AFCE-441B-BE84-BE58FD2DA5B6}"/>
               </a:ext>
             </a:extLst>
           </p:cNvPr>
@@ -9169,7 +9199,7 @@
           <p:cNvPr id="17" name="TextBox 16">
             <a:extLst>
               <a:ext uri="{FF2B5EF4-FFF2-40B4-BE49-F238E27FC236}">
-                <a16:creationId xmlns:a16="http://schemas.microsoft.com/office/drawing/2014/main" id="{88AA448A-3BC0-435C-8F7E-8B3D43021080}"/>
+                <a16:creationId xmlns:a16="http://schemas.microsoft.com/office/drawing/2014/main" xmlns="" id="{88AA448A-3BC0-435C-8F7E-8B3D43021080}"/>
               </a:ext>
             </a:extLst>
           </p:cNvPr>
@@ -9243,7 +9273,7 @@
           <p:cNvPr id="3" name="Picture 2">
             <a:extLst>
               <a:ext uri="{FF2B5EF4-FFF2-40B4-BE49-F238E27FC236}">
-                <a16:creationId xmlns:a16="http://schemas.microsoft.com/office/drawing/2014/main" id="{171D9913-AB80-4410-9BB1-B67E05838B81}"/>
+                <a16:creationId xmlns:a16="http://schemas.microsoft.com/office/drawing/2014/main" xmlns="" id="{171D9913-AB80-4410-9BB1-B67E05838B81}"/>
               </a:ext>
             </a:extLst>
           </p:cNvPr>
@@ -9273,7 +9303,7 @@
           <p:cNvPr id="4" name="TextBox 3">
             <a:extLst>
               <a:ext uri="{FF2B5EF4-FFF2-40B4-BE49-F238E27FC236}">
-                <a16:creationId xmlns:a16="http://schemas.microsoft.com/office/drawing/2014/main" id="{2EC36033-565B-45BE-A4F6-D393960B15E5}"/>
+                <a16:creationId xmlns:a16="http://schemas.microsoft.com/office/drawing/2014/main" xmlns="" id="{2EC36033-565B-45BE-A4F6-D393960B15E5}"/>
               </a:ext>
             </a:extLst>
           </p:cNvPr>
@@ -9472,30 +9502,6 @@
       </p:grpSpPr>
       <p:sp>
         <p:nvSpPr>
-          <p:cNvPr id="2" name="Title 1"/>
-          <p:cNvSpPr>
-            <a:spLocks noGrp="1"/>
-          </p:cNvSpPr>
-          <p:nvPr>
-            <p:ph type="title"/>
-          </p:nvPr>
-        </p:nvSpPr>
-        <p:spPr>
-          <a:xfrm>
-            <a:off x="646111" y="452718"/>
-            <a:ext cx="9404723" cy="45719"/>
-          </a:xfrm>
-        </p:spPr>
-        <p:txBody>
-          <a:bodyPr/>
-          <a:lstStyle/>
-          <a:p>
-            <a:endParaRPr lang="en-IN" dirty="0"/>
-          </a:p>
-        </p:txBody>
-      </p:sp>
-      <p:sp>
-        <p:nvSpPr>
           <p:cNvPr id="3" name="Text Placeholder 2"/>
           <p:cNvSpPr>
             <a:spLocks noGrp="1"/>
@@ -10187,25 +10193,6 @@
           <a:chExt cx="0" cy="0"/>
         </a:xfrm>
       </p:grpSpPr>
-      <p:sp>
-        <p:nvSpPr>
-          <p:cNvPr id="2" name="Title 1"/>
-          <p:cNvSpPr>
-            <a:spLocks noGrp="1"/>
-          </p:cNvSpPr>
-          <p:nvPr>
-            <p:ph type="title"/>
-          </p:nvPr>
-        </p:nvSpPr>
-        <p:spPr/>
-        <p:txBody>
-          <a:bodyPr/>
-          <a:lstStyle/>
-          <a:p>
-            <a:endParaRPr lang="en-IN" dirty="0"/>
-          </a:p>
-        </p:txBody>
-      </p:sp>
       <p:sp>
         <p:nvSpPr>
           <p:cNvPr id="3" name="Content Placeholder 2"/>
@@ -10629,7 +10616,7 @@
           <p:cNvPr id="4" name="TextBox 3">
             <a:extLst>
               <a:ext uri="{FF2B5EF4-FFF2-40B4-BE49-F238E27FC236}">
-                <a16:creationId xmlns:a16="http://schemas.microsoft.com/office/drawing/2014/main" id="{19FC32DC-64C0-478D-BEC4-355727706907}"/>
+                <a16:creationId xmlns:a16="http://schemas.microsoft.com/office/drawing/2014/main" xmlns="" id="{19FC32DC-64C0-478D-BEC4-355727706907}"/>
               </a:ext>
             </a:extLst>
           </p:cNvPr>
@@ -11193,28 +11180,28 @@
                 <a:gridCol w="2857500">
                   <a:extLst>
                     <a:ext uri="{9D8B030D-6E8A-4147-A177-3AD203B41FA5}">
-                      <a16:colId xmlns:a16="http://schemas.microsoft.com/office/drawing/2014/main" val="1988555748"/>
+                      <a16:colId xmlns:a16="http://schemas.microsoft.com/office/drawing/2014/main" xmlns="" val="1988555748"/>
                     </a:ext>
                   </a:extLst>
                 </a:gridCol>
                 <a:gridCol w="2857500">
                   <a:extLst>
                     <a:ext uri="{9D8B030D-6E8A-4147-A177-3AD203B41FA5}">
-                      <a16:colId xmlns:a16="http://schemas.microsoft.com/office/drawing/2014/main" val="2000759051"/>
+                      <a16:colId xmlns:a16="http://schemas.microsoft.com/office/drawing/2014/main" xmlns="" val="2000759051"/>
                     </a:ext>
                   </a:extLst>
                 </a:gridCol>
                 <a:gridCol w="2857500">
                   <a:extLst>
                     <a:ext uri="{9D8B030D-6E8A-4147-A177-3AD203B41FA5}">
-                      <a16:colId xmlns:a16="http://schemas.microsoft.com/office/drawing/2014/main" val="1754157549"/>
+                      <a16:colId xmlns:a16="http://schemas.microsoft.com/office/drawing/2014/main" xmlns="" val="1754157549"/>
                     </a:ext>
                   </a:extLst>
                 </a:gridCol>
                 <a:gridCol w="2857500">
                   <a:extLst>
                     <a:ext uri="{9D8B030D-6E8A-4147-A177-3AD203B41FA5}">
-                      <a16:colId xmlns:a16="http://schemas.microsoft.com/office/drawing/2014/main" val="3863933230"/>
+                      <a16:colId xmlns:a16="http://schemas.microsoft.com/office/drawing/2014/main" xmlns="" val="3863933230"/>
                     </a:ext>
                   </a:extLst>
                 </a:gridCol>
@@ -11278,7 +11265,7 @@
                 </a:tc>
                 <a:extLst>
                   <a:ext uri="{0D108BD9-81ED-4DB2-BD59-A6C34878D82A}">
-                    <a16:rowId xmlns:a16="http://schemas.microsoft.com/office/drawing/2014/main" val="2111886051"/>
+                    <a16:rowId xmlns:a16="http://schemas.microsoft.com/office/drawing/2014/main" xmlns="" val="2111886051"/>
                   </a:ext>
                 </a:extLst>
               </a:tr>
@@ -11388,7 +11375,7 @@
                 </a:tc>
                 <a:extLst>
                   <a:ext uri="{0D108BD9-81ED-4DB2-BD59-A6C34878D82A}">
-                    <a16:rowId xmlns:a16="http://schemas.microsoft.com/office/drawing/2014/main" val="65737516"/>
+                    <a16:rowId xmlns:a16="http://schemas.microsoft.com/office/drawing/2014/main" xmlns="" val="65737516"/>
                   </a:ext>
                 </a:extLst>
               </a:tr>
@@ -11595,7 +11582,7 @@
                 </a:tc>
                 <a:extLst>
                   <a:ext uri="{0D108BD9-81ED-4DB2-BD59-A6C34878D82A}">
-                    <a16:rowId xmlns:a16="http://schemas.microsoft.com/office/drawing/2014/main" val="91619854"/>
+                    <a16:rowId xmlns:a16="http://schemas.microsoft.com/office/drawing/2014/main" xmlns="" val="91619854"/>
                   </a:ext>
                 </a:extLst>
               </a:tr>
@@ -11759,7 +11746,7 @@
                 </a:tc>
                 <a:extLst>
                   <a:ext uri="{0D108BD9-81ED-4DB2-BD59-A6C34878D82A}">
-                    <a16:rowId xmlns:a16="http://schemas.microsoft.com/office/drawing/2014/main" val="1473420729"/>
+                    <a16:rowId xmlns:a16="http://schemas.microsoft.com/office/drawing/2014/main" xmlns="" val="1473420729"/>
                   </a:ext>
                 </a:extLst>
               </a:tr>
@@ -12564,7 +12551,7 @@
     </a:clrScheme>
     <a:fontScheme name="Ion">
       <a:majorFont>
-        <a:latin typeface="Century Gothic" panose="020B0502020202020204"/>
+        <a:latin typeface="Century Gothic"/>
         <a:ea typeface=""/>
         <a:cs typeface=""/>
         <a:font script="Jpan" typeface="メイリオ"/>
@@ -12599,7 +12586,7 @@
         <a:font script="Geor" typeface="Sylfaen"/>
       </a:majorFont>
       <a:minorFont>
-        <a:latin typeface="Century Gothic" panose="020B0502020202020204"/>
+        <a:latin typeface="Century Gothic"/>
         <a:ea typeface=""/>
         <a:cs typeface=""/>
         <a:font script="Jpan" typeface="メイリオ"/>
@@ -12781,7 +12768,7 @@
   <a:extraClrSchemeLst/>
   <a:extLst>
     <a:ext uri="{05A4C25C-085E-4340-85A3-A5531E510DB2}">
-      <thm15:themeFamily xmlns:thm15="http://schemas.microsoft.com/office/thememl/2012/main" name="Ion" id="{B8441ADB-2E43-4AF7-B97A-BD870242C6A8}" vid="{292E63A9-BB86-4E3D-B92A-7223C6510D2E}"/>
+      <thm15:themeFamily xmlns:thm15="http://schemas.microsoft.com/office/thememl/2012/main" xmlns="" name="Ion" id="{B8441ADB-2E43-4AF7-B97A-BD870242C6A8}" vid="{292E63A9-BB86-4E3D-B92A-7223C6510D2E}"/>
     </a:ext>
   </a:extLst>
 </a:theme>
@@ -12830,7 +12817,7 @@
     </a:clrScheme>
     <a:fontScheme name="Office">
       <a:majorFont>
-        <a:latin typeface="Calibri Light" panose="020F0302020204030204"/>
+        <a:latin typeface="Calibri Light"/>
         <a:ea typeface=""/>
         <a:cs typeface=""/>
         <a:font script="Jpan" typeface="游ゴシック Light"/>
@@ -12882,7 +12869,7 @@
         <a:font script="Tfng" typeface="Ebrima"/>
       </a:majorFont>
       <a:minorFont>
-        <a:latin typeface="Calibri" panose="020F0502020204030204"/>
+        <a:latin typeface="Calibri"/>
         <a:ea typeface=""/>
         <a:cs typeface=""/>
         <a:font script="Jpan" typeface="游ゴシック"/>
@@ -13076,7 +13063,7 @@
   <a:extraClrSchemeLst/>
   <a:extLst>
     <a:ext uri="{05A4C25C-085E-4340-85A3-A5531E510DB2}">
-      <thm15:themeFamily xmlns:thm15="http://schemas.microsoft.com/office/thememl/2012/main" name="Office Theme" id="{62F939B6-93AF-4DB8-9C6B-D6C7DFDC589F}" vid="{4A3C46E8-61CC-4603-A589-7422A47A8E4A}"/>
+      <thm15:themeFamily xmlns:thm15="http://schemas.microsoft.com/office/thememl/2012/main" xmlns="" name="Office Theme" id="{62F939B6-93AF-4DB8-9C6B-D6C7DFDC589F}" vid="{4A3C46E8-61CC-4603-A589-7422A47A8E4A}"/>
     </a:ext>
   </a:extLst>
 </a:theme>
